--- a/docs/StatisticalMachineTranslation.pptx
+++ b/docs/StatisticalMachineTranslation.pptx
@@ -237,7 +237,7 @@
           <a:p>
             <a:fld id="{B51E7FC0-7448-4A6F-ABA1-D4D43BA9B742}" type="datetimeFigureOut">
               <a:rPr lang="en-US" smtClean="0"/>
-              <a:t>1/17/2015</a:t>
+              <a:t>2/23/2015</a:t>
             </a:fld>
             <a:endParaRPr lang="en-US"/>
           </a:p>
@@ -6105,8 +6105,8 @@
         </p:nvSpPr>
         <p:spPr bwMode="auto">
           <a:xfrm>
-            <a:off x="4977024" y="3756445"/>
-            <a:ext cx="685800" cy="150813"/>
+            <a:off x="4977024" y="3765012"/>
+            <a:ext cx="762000" cy="142246"/>
           </a:xfrm>
           <a:prstGeom prst="rightArrow">
             <a:avLst>
@@ -11413,8 +11413,13 @@
           <a:p>
             <a:r>
               <a:rPr lang="en-US" dirty="0"/>
-              <a:t>Machine Translation</a:t>
-            </a:r>
+              <a:t>Machine </a:t>
+            </a:r>
+            <a:r>
+              <a:rPr lang="en-US" dirty="0" smtClean="0"/>
+              <a:t>translation</a:t>
+            </a:r>
+            <a:endParaRPr lang="en-US" dirty="0"/>
           </a:p>
         </p:txBody>
       </p:sp>
@@ -11810,11 +11815,7 @@
           <a:p>
             <a:r>
               <a:rPr lang="en-US" dirty="0" smtClean="0"/>
-              <a:t>Word </a:t>
-            </a:r>
-            <a:r>
-              <a:rPr lang="en-US" dirty="0" smtClean="0"/>
-              <a:t>alignment</a:t>
+              <a:t>Word alignment</a:t>
             </a:r>
             <a:endParaRPr lang="en-US" dirty="0"/>
           </a:p>
@@ -20533,11 +20534,7 @@
             </a:r>
             <a:r>
               <a:rPr lang="en-US" dirty="0" smtClean="0"/>
-              <a:t>process </a:t>
-            </a:r>
-            <a:r>
-              <a:rPr lang="en-US" dirty="0" smtClean="0"/>
-              <a:t>in Model 1</a:t>
+              <a:t>process in Model 1</a:t>
             </a:r>
             <a:endParaRPr lang="en-US" dirty="0"/>
           </a:p>
@@ -22841,11 +22838,7 @@
           <a:p>
             <a:r>
               <a:rPr lang="en-US" dirty="0" smtClean="0"/>
-              <a:t>Estimation of </a:t>
-            </a:r>
-            <a:r>
-              <a:rPr lang="en-US" dirty="0" smtClean="0"/>
-              <a:t>translation probability </a:t>
+              <a:t>Estimation of translation probability </a:t>
             </a:r>
             <a:endParaRPr lang="en-US" dirty="0"/>
           </a:p>
@@ -23496,11 +23489,7 @@
           <a:p>
             <a:r>
               <a:rPr lang="en-US" dirty="0" smtClean="0"/>
-              <a:t>Estimation of </a:t>
-            </a:r>
-            <a:r>
-              <a:rPr lang="en-US" dirty="0" smtClean="0"/>
-              <a:t>translation probability </a:t>
+              <a:t>Estimation of translation probability </a:t>
             </a:r>
             <a:endParaRPr lang="en-US" dirty="0"/>
           </a:p>
@@ -23675,11 +23664,7 @@
           <a:p>
             <a:r>
               <a:rPr lang="en-US" dirty="0" smtClean="0"/>
-              <a:t>How </a:t>
-            </a:r>
-            <a:r>
-              <a:rPr lang="en-US" dirty="0" smtClean="0"/>
-              <a:t>do human translate languages?</a:t>
+              <a:t>How do human translate languages?</a:t>
             </a:r>
             <a:endParaRPr lang="en-US" dirty="0"/>
           </a:p>

--- a/docs/StatisticalMachineTranslation.pptx
+++ b/docs/StatisticalMachineTranslation.pptx
@@ -5,7 +5,7 @@
     <p:sldMasterId id="2147483660" r:id="rId1"/>
   </p:sldMasterIdLst>
   <p:notesMasterIdLst>
-    <p:notesMasterId r:id="rId32"/>
+    <p:notesMasterId r:id="rId34"/>
   </p:notesMasterIdLst>
   <p:sldIdLst>
     <p:sldId id="256" r:id="rId2"/>
@@ -38,6 +38,8 @@
     <p:sldId id="282" r:id="rId29"/>
     <p:sldId id="283" r:id="rId30"/>
     <p:sldId id="284" r:id="rId31"/>
+    <p:sldId id="286" r:id="rId32"/>
+    <p:sldId id="287" r:id="rId33"/>
   </p:sldIdLst>
   <p:sldSz cx="9144000" cy="6858000" type="screen4x3"/>
   <p:notesSz cx="6858000" cy="9144000"/>
@@ -237,7 +239,7 @@
           <a:p>
             <a:fld id="{B51E7FC0-7448-4A6F-ABA1-D4D43BA9B742}" type="datetimeFigureOut">
               <a:rPr lang="en-US" smtClean="0"/>
-              <a:t>2/23/2015</a:t>
+              <a:t>2/25/2015</a:t>
             </a:fld>
             <a:endParaRPr lang="en-US"/>
           </a:p>
@@ -8643,8 +8645,13 @@
           <a:p>
             <a:r>
               <a:rPr lang="en-US" dirty="0"/>
-              <a:t>Parallel Corpora</a:t>
-            </a:r>
+              <a:t>Parallel </a:t>
+            </a:r>
+            <a:r>
+              <a:rPr lang="en-US" dirty="0" smtClean="0"/>
+              <a:t>corpora</a:t>
+            </a:r>
+            <a:endParaRPr lang="en-US" dirty="0"/>
           </a:p>
         </p:txBody>
       </p:sp>
@@ -8889,7 +8896,7 @@
             </a:r>
             <a:r>
               <a:rPr lang="en-US" dirty="0" smtClean="0"/>
-              <a:t>Corpora</a:t>
+              <a:t>corpora</a:t>
             </a:r>
             <a:endParaRPr lang="en-US" dirty="0"/>
           </a:p>
@@ -9140,7 +9147,7 @@
             </a:r>
             <a:r>
               <a:rPr lang="en-US" dirty="0" smtClean="0"/>
-              <a:t>Corpora</a:t>
+              <a:t>corpora</a:t>
             </a:r>
             <a:endParaRPr lang="en-US" dirty="0"/>
           </a:p>
@@ -9329,8 +9336,8 @@
           <a:chExt cx="0" cy="0"/>
         </a:xfrm>
       </p:grpSpPr>
-      <mc:AlternateContent xmlns:mc="http://schemas.openxmlformats.org/markup-compatibility/2006" xmlns:a14="http://schemas.microsoft.com/office/drawing/2010/main">
-        <mc:Choice Requires="a14">
+      <mc:AlternateContent xmlns:mc="http://schemas.openxmlformats.org/markup-compatibility/2006">
+        <mc:Choice xmlns:a14="http://schemas.microsoft.com/office/drawing/2010/main" Requires="a14">
           <p:sp>
             <p:nvSpPr>
               <p:cNvPr id="2" name="Title 1"/>
@@ -9348,7 +9355,11 @@
               <a:p>
                 <a:r>
                   <a:rPr lang="en-US" dirty="0" smtClean="0"/>
-                  <a:t>Translation Model </a:t>
+                  <a:t>Translation </a:t>
+                </a:r>
+                <a:r>
+                  <a:rPr lang="en-US" dirty="0" smtClean="0"/>
+                  <a:t>model </a:t>
                 </a:r>
                 <a14:m>
                   <m:oMath xmlns:m="http://schemas.openxmlformats.org/officeDocument/2006/math">
@@ -9390,7 +9401,7 @@
             </p:txBody>
           </p:sp>
         </mc:Choice>
-        <mc:Fallback xmlns="">
+        <mc:Fallback>
           <p:sp>
             <p:nvSpPr>
               <p:cNvPr id="2" name="Title 1"/>
@@ -9890,7 +9901,79 @@
   <p:timing>
     <p:tnLst>
       <p:par>
-        <p:cTn id="1" dur="indefinite" restart="never" nodeType="tmRoot"/>
+        <p:cTn id="1" dur="indefinite" restart="never" nodeType="tmRoot">
+          <p:childTnLst>
+            <p:seq concurrent="1" nextAc="seek">
+              <p:cTn id="2" dur="indefinite" nodeType="mainSeq">
+                <p:childTnLst>
+                  <p:par>
+                    <p:cTn id="3" fill="hold">
+                      <p:stCondLst>
+                        <p:cond delay="indefinite"/>
+                      </p:stCondLst>
+                      <p:childTnLst>
+                        <p:par>
+                          <p:cTn id="4" fill="hold">
+                            <p:stCondLst>
+                              <p:cond delay="0"/>
+                            </p:stCondLst>
+                            <p:childTnLst>
+                              <p:par>
+                                <p:cTn id="5" presetID="1" presetClass="entr" presetSubtype="0" fill="hold" nodeType="clickEffect">
+                                  <p:stCondLst>
+                                    <p:cond delay="0"/>
+                                  </p:stCondLst>
+                                  <p:childTnLst>
+                                    <p:set>
+                                      <p:cBhvr>
+                                        <p:cTn id="6" dur="1" fill="hold">
+                                          <p:stCondLst>
+                                            <p:cond delay="0"/>
+                                          </p:stCondLst>
+                                        </p:cTn>
+                                        <p:tgtEl>
+                                          <p:spTgt spid="3">
+                                            <p:txEl>
+                                              <p:pRg st="5" end="5"/>
+                                            </p:txEl>
+                                          </p:spTgt>
+                                        </p:tgtEl>
+                                        <p:attrNameLst>
+                                          <p:attrName>style.visibility</p:attrName>
+                                        </p:attrNameLst>
+                                      </p:cBhvr>
+                                      <p:to>
+                                        <p:strVal val="visible"/>
+                                      </p:to>
+                                    </p:set>
+                                  </p:childTnLst>
+                                </p:cTn>
+                              </p:par>
+                            </p:childTnLst>
+                          </p:cTn>
+                        </p:par>
+                      </p:childTnLst>
+                    </p:cTn>
+                  </p:par>
+                </p:childTnLst>
+              </p:cTn>
+              <p:prevCondLst>
+                <p:cond evt="onPrev" delay="0">
+                  <p:tgtEl>
+                    <p:sldTgt/>
+                  </p:tgtEl>
+                </p:cond>
+              </p:prevCondLst>
+              <p:nextCondLst>
+                <p:cond evt="onNext" delay="0">
+                  <p:tgtEl>
+                    <p:sldTgt/>
+                  </p:tgtEl>
+                </p:cond>
+              </p:nextCondLst>
+            </p:seq>
+          </p:childTnLst>
+        </p:cTn>
       </p:par>
     </p:tnLst>
   </p:timing>
@@ -18355,8 +18438,8 @@
           </a:p>
         </p:txBody>
       </p:sp>
-      <mc:AlternateContent xmlns:mc="http://schemas.openxmlformats.org/markup-compatibility/2006" xmlns:a14="http://schemas.microsoft.com/office/drawing/2010/main">
-        <mc:Choice Requires="a14">
+      <mc:AlternateContent xmlns:mc="http://schemas.openxmlformats.org/markup-compatibility/2006">
+        <mc:Choice xmlns:a14="http://schemas.microsoft.com/office/drawing/2010/main" Requires="a14">
           <p:sp>
             <p:nvSpPr>
               <p:cNvPr id="3" name="Content Placeholder 2"/>
@@ -18462,7 +18545,15 @@
                 <a:pPr lvl="2"/>
                 <a:r>
                   <a:rPr lang="en-US" dirty="0" smtClean="0"/>
-                  <a:t>Assumed to be constant - </a:t>
+                  <a:t>Assumed to be </a:t>
+                </a:r>
+                <a:r>
+                  <a:rPr lang="en-US" dirty="0" smtClean="0"/>
+                  <a:t>a constant </a:t>
+                </a:r>
+                <a:r>
+                  <a:rPr lang="en-US" dirty="0" smtClean="0"/>
+                  <a:t>- </a:t>
                 </a:r>
                 <a14:m>
                   <m:oMath xmlns:m="http://schemas.openxmlformats.org/officeDocument/2006/math">
@@ -18671,7 +18762,7 @@
             </p:txBody>
           </p:sp>
         </mc:Choice>
-        <mc:Fallback xmlns="">
+        <mc:Fallback>
           <p:sp>
             <p:nvSpPr>
               <p:cNvPr id="3" name="Content Placeholder 2"/>
@@ -21018,7 +21109,7 @@
           <p:nvPr>
             <p:extLst>
               <p:ext uri="{D42A27DB-BD31-4B8C-83A1-F6EECF244321}">
-                <p14:modId xmlns:p14="http://schemas.microsoft.com/office/powerpoint/2010/main" val="2941423918"/>
+                <p14:modId xmlns:p14="http://schemas.microsoft.com/office/powerpoint/2010/main" val="1401532835"/>
               </p:ext>
             </p:extLst>
           </p:nvPr>
@@ -21165,7 +21256,7 @@
                     <a:p>
                       <a:r>
                         <a:rPr lang="en-US" dirty="0" smtClean="0"/>
-                        <a:t>Jean</a:t>
+                        <a:t>?</a:t>
                       </a:r>
                       <a:endParaRPr lang="en-US" dirty="0"/>
                     </a:p>
@@ -21179,7 +21270,7 @@
                     <a:p>
                       <a:r>
                         <a:rPr lang="en-US" dirty="0" smtClean="0"/>
-                        <a:t>a</a:t>
+                        <a:t>?</a:t>
                       </a:r>
                       <a:endParaRPr lang="en-US" dirty="0"/>
                     </a:p>
@@ -21192,12 +21283,8 @@
                     <a:lstStyle/>
                     <a:p>
                       <a:r>
-                        <a:rPr lang="en-US" sz="1800" dirty="0" err="1" smtClean="0"/>
-                        <a:t>traversé</a:t>
-                      </a:r>
-                      <a:r>
-                        <a:rPr lang="en-US" sz="1800" dirty="0" smtClean="0"/>
-                        <a:t> </a:t>
+                        <a:rPr lang="en-US" dirty="0" smtClean="0"/>
+                        <a:t>?</a:t>
                       </a:r>
                       <a:endParaRPr lang="en-US" dirty="0"/>
                     </a:p>
@@ -21228,8 +21315,9 @@
                       </a:pPr>
                       <a:r>
                         <a:rPr lang="en-US" dirty="0" smtClean="0"/>
-                        <a:t>le</a:t>
+                        <a:t>?</a:t>
                       </a:r>
+                      <a:endParaRPr lang="en-US" dirty="0" smtClean="0"/>
                     </a:p>
                   </a:txBody>
                   <a:tcPr/>
@@ -21241,7 +21329,7 @@
                     <a:p>
                       <a:r>
                         <a:rPr lang="en-US" dirty="0" smtClean="0"/>
-                        <a:t>lac</a:t>
+                        <a:t>?</a:t>
                       </a:r>
                       <a:endParaRPr lang="en-US" dirty="0"/>
                     </a:p>
@@ -21271,8 +21359,8 @@
                         <a:defRPr/>
                       </a:pPr>
                       <a:r>
-                        <a:rPr lang="en-US" sz="1800" dirty="0" smtClean="0"/>
-                        <a:t>à</a:t>
+                        <a:rPr lang="en-US" dirty="0" smtClean="0"/>
+                        <a:t>?</a:t>
                       </a:r>
                       <a:endParaRPr lang="en-US" dirty="0" smtClean="0"/>
                     </a:p>
@@ -21286,7 +21374,7 @@
                     <a:p>
                       <a:r>
                         <a:rPr lang="en-US" dirty="0" smtClean="0"/>
-                        <a:t>la</a:t>
+                        <a:t>?</a:t>
                       </a:r>
                       <a:endParaRPr lang="en-US" dirty="0"/>
                     </a:p>
@@ -21299,8 +21387,8 @@
                     <a:lstStyle/>
                     <a:p>
                       <a:r>
-                        <a:rPr lang="en-US" dirty="0" err="1" smtClean="0"/>
-                        <a:t>nage</a:t>
+                        <a:rPr lang="en-US" dirty="0" smtClean="0"/>
+                        <a:t>?</a:t>
                       </a:r>
                       <a:endParaRPr lang="en-US" dirty="0"/>
                     </a:p>
@@ -23621,7 +23709,79 @@
   <p:timing>
     <p:tnLst>
       <p:par>
-        <p:cTn id="1" dur="indefinite" restart="never" nodeType="tmRoot"/>
+        <p:cTn id="1" dur="indefinite" restart="never" nodeType="tmRoot">
+          <p:childTnLst>
+            <p:seq concurrent="1" nextAc="seek">
+              <p:cTn id="2" dur="indefinite" nodeType="mainSeq">
+                <p:childTnLst>
+                  <p:par>
+                    <p:cTn id="3" fill="hold">
+                      <p:stCondLst>
+                        <p:cond delay="indefinite"/>
+                      </p:stCondLst>
+                      <p:childTnLst>
+                        <p:par>
+                          <p:cTn id="4" fill="hold">
+                            <p:stCondLst>
+                              <p:cond delay="0"/>
+                            </p:stCondLst>
+                            <p:childTnLst>
+                              <p:par>
+                                <p:cTn id="5" presetID="1" presetClass="entr" presetSubtype="0" fill="hold" nodeType="clickEffect">
+                                  <p:stCondLst>
+                                    <p:cond delay="0"/>
+                                  </p:stCondLst>
+                                  <p:childTnLst>
+                                    <p:set>
+                                      <p:cBhvr>
+                                        <p:cTn id="6" dur="1" fill="hold">
+                                          <p:stCondLst>
+                                            <p:cond delay="0"/>
+                                          </p:stCondLst>
+                                        </p:cTn>
+                                        <p:tgtEl>
+                                          <p:spTgt spid="3">
+                                            <p:txEl>
+                                              <p:pRg st="2" end="2"/>
+                                            </p:txEl>
+                                          </p:spTgt>
+                                        </p:tgtEl>
+                                        <p:attrNameLst>
+                                          <p:attrName>style.visibility</p:attrName>
+                                        </p:attrNameLst>
+                                      </p:cBhvr>
+                                      <p:to>
+                                        <p:strVal val="visible"/>
+                                      </p:to>
+                                    </p:set>
+                                  </p:childTnLst>
+                                </p:cTn>
+                              </p:par>
+                            </p:childTnLst>
+                          </p:cTn>
+                        </p:par>
+                      </p:childTnLst>
+                    </p:cTn>
+                  </p:par>
+                </p:childTnLst>
+              </p:cTn>
+              <p:prevCondLst>
+                <p:cond evt="onPrev" delay="0">
+                  <p:tgtEl>
+                    <p:sldTgt/>
+                  </p:tgtEl>
+                </p:cond>
+              </p:prevCondLst>
+              <p:nextCondLst>
+                <p:cond evt="onNext" delay="0">
+                  <p:tgtEl>
+                    <p:sldTgt/>
+                  </p:tgtEl>
+                </p:cond>
+              </p:nextCondLst>
+            </p:seq>
+          </p:childTnLst>
+        </p:cTn>
       </p:par>
     </p:tnLst>
   </p:timing>
@@ -25829,6 +25989,360 @@
 </p:sld>
 </file>
 
+<file path=ppt/slides/slide31.xml><?xml version="1.0" encoding="utf-8"?>
+<p:sld xmlns:a="http://schemas.openxmlformats.org/drawingml/2006/main" xmlns:r="http://schemas.openxmlformats.org/officeDocument/2006/relationships" xmlns:p="http://schemas.openxmlformats.org/presentationml/2006/main">
+  <p:cSld>
+    <p:spTree>
+      <p:nvGrpSpPr>
+        <p:cNvPr id="1" name=""/>
+        <p:cNvGrpSpPr/>
+        <p:nvPr/>
+      </p:nvGrpSpPr>
+      <p:grpSpPr>
+        <a:xfrm>
+          <a:off x="0" y="0"/>
+          <a:ext cx="0" cy="0"/>
+          <a:chOff x="0" y="0"/>
+          <a:chExt cx="0" cy="0"/>
+        </a:xfrm>
+      </p:grpSpPr>
+      <p:sp>
+        <p:nvSpPr>
+          <p:cNvPr id="2" name="Title 1"/>
+          <p:cNvSpPr>
+            <a:spLocks noGrp="1"/>
+          </p:cNvSpPr>
+          <p:nvPr>
+            <p:ph type="title"/>
+          </p:nvPr>
+        </p:nvSpPr>
+        <p:spPr/>
+        <p:txBody>
+          <a:bodyPr/>
+          <a:lstStyle/>
+          <a:p>
+            <a:r>
+              <a:rPr lang="en-US" dirty="0" smtClean="0"/>
+              <a:t>What you should know</a:t>
+            </a:r>
+            <a:endParaRPr lang="en-US" dirty="0"/>
+          </a:p>
+        </p:txBody>
+      </p:sp>
+      <p:sp>
+        <p:nvSpPr>
+          <p:cNvPr id="3" name="Content Placeholder 2"/>
+          <p:cNvSpPr>
+            <a:spLocks noGrp="1"/>
+          </p:cNvSpPr>
+          <p:nvPr>
+            <p:ph idx="1"/>
+          </p:nvPr>
+        </p:nvSpPr>
+        <p:spPr/>
+        <p:txBody>
+          <a:bodyPr/>
+          <a:lstStyle/>
+          <a:p>
+            <a:r>
+              <a:rPr lang="en-US" dirty="0" smtClean="0"/>
+              <a:t>Challenges in machine translation</a:t>
+            </a:r>
+          </a:p>
+          <a:p>
+            <a:pPr lvl="1"/>
+            <a:r>
+              <a:rPr lang="en-US" dirty="0" smtClean="0"/>
+              <a:t>Lexicon/syntactic/semantic divergences</a:t>
+            </a:r>
+          </a:p>
+          <a:p>
+            <a:r>
+              <a:rPr lang="en-US" dirty="0" smtClean="0"/>
+              <a:t>Statistical machine translation</a:t>
+            </a:r>
+          </a:p>
+          <a:p>
+            <a:pPr lvl="1"/>
+            <a:r>
+              <a:rPr lang="en-US" dirty="0" smtClean="0"/>
+              <a:t>Source-channel framework for statistical machine translation</a:t>
+            </a:r>
+          </a:p>
+          <a:p>
+            <a:pPr lvl="2"/>
+            <a:r>
+              <a:rPr lang="en-US" dirty="0" smtClean="0"/>
+              <a:t>Generative process</a:t>
+            </a:r>
+          </a:p>
+          <a:p>
+            <a:pPr lvl="1"/>
+            <a:r>
+              <a:rPr lang="en-US" dirty="0" smtClean="0"/>
+              <a:t>IBM model 1</a:t>
+            </a:r>
+          </a:p>
+          <a:p>
+            <a:pPr lvl="2"/>
+            <a:r>
+              <a:rPr lang="en-US" dirty="0" smtClean="0"/>
+              <a:t>Idea of word alignment</a:t>
+            </a:r>
+          </a:p>
+          <a:p>
+            <a:pPr lvl="1"/>
+            <a:endParaRPr lang="en-US" dirty="0"/>
+          </a:p>
+        </p:txBody>
+      </p:sp>
+      <p:sp>
+        <p:nvSpPr>
+          <p:cNvPr id="4" name="Date Placeholder 3"/>
+          <p:cNvSpPr>
+            <a:spLocks noGrp="1"/>
+          </p:cNvSpPr>
+          <p:nvPr>
+            <p:ph type="dt" sz="half" idx="10"/>
+          </p:nvPr>
+        </p:nvSpPr>
+        <p:spPr/>
+        <p:txBody>
+          <a:bodyPr/>
+          <a:lstStyle/>
+          <a:p>
+            <a:r>
+              <a:rPr lang="en-US" smtClean="0"/>
+              <a:t>CS@UVa</a:t>
+            </a:r>
+            <a:endParaRPr lang="en-US"/>
+          </a:p>
+        </p:txBody>
+      </p:sp>
+      <p:sp>
+        <p:nvSpPr>
+          <p:cNvPr id="5" name="Footer Placeholder 4"/>
+          <p:cNvSpPr>
+            <a:spLocks noGrp="1"/>
+          </p:cNvSpPr>
+          <p:nvPr>
+            <p:ph type="ftr" sz="quarter" idx="11"/>
+          </p:nvPr>
+        </p:nvSpPr>
+        <p:spPr/>
+        <p:txBody>
+          <a:bodyPr/>
+          <a:lstStyle/>
+          <a:p>
+            <a:r>
+              <a:rPr lang="en-US" smtClean="0"/>
+              <a:t>CS 6501: Text Mining</a:t>
+            </a:r>
+            <a:endParaRPr lang="en-US"/>
+          </a:p>
+        </p:txBody>
+      </p:sp>
+      <p:sp>
+        <p:nvSpPr>
+          <p:cNvPr id="6" name="Slide Number Placeholder 5"/>
+          <p:cNvSpPr>
+            <a:spLocks noGrp="1"/>
+          </p:cNvSpPr>
+          <p:nvPr>
+            <p:ph type="sldNum" sz="quarter" idx="12"/>
+          </p:nvPr>
+        </p:nvSpPr>
+        <p:spPr/>
+        <p:txBody>
+          <a:bodyPr/>
+          <a:lstStyle/>
+          <a:p>
+            <a:fld id="{AA504A00-5B03-484F-8010-D8F3F3F226AF}" type="slidenum">
+              <a:rPr lang="en-US" smtClean="0"/>
+              <a:t>31</a:t>
+            </a:fld>
+            <a:endParaRPr lang="en-US"/>
+          </a:p>
+        </p:txBody>
+      </p:sp>
+    </p:spTree>
+    <p:extLst>
+      <p:ext uri="{BB962C8B-B14F-4D97-AF65-F5344CB8AC3E}">
+        <p14:creationId xmlns:p14="http://schemas.microsoft.com/office/powerpoint/2010/main" val="1013701447"/>
+      </p:ext>
+    </p:extLst>
+  </p:cSld>
+  <p:clrMapOvr>
+    <a:masterClrMapping/>
+  </p:clrMapOvr>
+  <p:timing>
+    <p:tnLst>
+      <p:par>
+        <p:cTn id="1" dur="indefinite" restart="never" nodeType="tmRoot"/>
+      </p:par>
+    </p:tnLst>
+  </p:timing>
+</p:sld>
+</file>
+
+<file path=ppt/slides/slide32.xml><?xml version="1.0" encoding="utf-8"?>
+<p:sld xmlns:a="http://schemas.openxmlformats.org/drawingml/2006/main" xmlns:r="http://schemas.openxmlformats.org/officeDocument/2006/relationships" xmlns:p="http://schemas.openxmlformats.org/presentationml/2006/main">
+  <p:cSld>
+    <p:spTree>
+      <p:nvGrpSpPr>
+        <p:cNvPr id="1" name=""/>
+        <p:cNvGrpSpPr/>
+        <p:nvPr/>
+      </p:nvGrpSpPr>
+      <p:grpSpPr>
+        <a:xfrm>
+          <a:off x="0" y="0"/>
+          <a:ext cx="0" cy="0"/>
+          <a:chOff x="0" y="0"/>
+          <a:chExt cx="0" cy="0"/>
+        </a:xfrm>
+      </p:grpSpPr>
+      <p:sp>
+        <p:nvSpPr>
+          <p:cNvPr id="2" name="Title 1"/>
+          <p:cNvSpPr>
+            <a:spLocks noGrp="1"/>
+          </p:cNvSpPr>
+          <p:nvPr>
+            <p:ph type="title"/>
+          </p:nvPr>
+        </p:nvSpPr>
+        <p:spPr/>
+        <p:txBody>
+          <a:bodyPr/>
+          <a:lstStyle/>
+          <a:p>
+            <a:r>
+              <a:rPr lang="en-US" dirty="0" smtClean="0"/>
+              <a:t>Today’s reading</a:t>
+            </a:r>
+            <a:endParaRPr lang="en-US" dirty="0"/>
+          </a:p>
+        </p:txBody>
+      </p:sp>
+      <p:sp>
+        <p:nvSpPr>
+          <p:cNvPr id="3" name="Content Placeholder 2"/>
+          <p:cNvSpPr>
+            <a:spLocks noGrp="1"/>
+          </p:cNvSpPr>
+          <p:nvPr>
+            <p:ph idx="1"/>
+          </p:nvPr>
+        </p:nvSpPr>
+        <p:spPr/>
+        <p:txBody>
+          <a:bodyPr/>
+          <a:lstStyle/>
+          <a:p>
+            <a:r>
+              <a:rPr lang="en-US" dirty="0"/>
+              <a:t>Speech and Language Processing</a:t>
+            </a:r>
+          </a:p>
+          <a:p>
+            <a:pPr lvl="1"/>
+            <a:r>
+              <a:rPr lang="en-US" dirty="0"/>
+              <a:t>Chapter 25: Machine Translation</a:t>
+            </a:r>
+          </a:p>
+        </p:txBody>
+      </p:sp>
+      <p:sp>
+        <p:nvSpPr>
+          <p:cNvPr id="4" name="Date Placeholder 3"/>
+          <p:cNvSpPr>
+            <a:spLocks noGrp="1"/>
+          </p:cNvSpPr>
+          <p:nvPr>
+            <p:ph type="dt" sz="half" idx="10"/>
+          </p:nvPr>
+        </p:nvSpPr>
+        <p:spPr/>
+        <p:txBody>
+          <a:bodyPr/>
+          <a:lstStyle/>
+          <a:p>
+            <a:r>
+              <a:rPr lang="en-US" smtClean="0"/>
+              <a:t>CS@UVa</a:t>
+            </a:r>
+            <a:endParaRPr lang="en-US"/>
+          </a:p>
+        </p:txBody>
+      </p:sp>
+      <p:sp>
+        <p:nvSpPr>
+          <p:cNvPr id="5" name="Footer Placeholder 4"/>
+          <p:cNvSpPr>
+            <a:spLocks noGrp="1"/>
+          </p:cNvSpPr>
+          <p:nvPr>
+            <p:ph type="ftr" sz="quarter" idx="11"/>
+          </p:nvPr>
+        </p:nvSpPr>
+        <p:spPr/>
+        <p:txBody>
+          <a:bodyPr/>
+          <a:lstStyle/>
+          <a:p>
+            <a:r>
+              <a:rPr lang="en-US" smtClean="0"/>
+              <a:t>CS 6501: Text Mining</a:t>
+            </a:r>
+            <a:endParaRPr lang="en-US"/>
+          </a:p>
+        </p:txBody>
+      </p:sp>
+      <p:sp>
+        <p:nvSpPr>
+          <p:cNvPr id="6" name="Slide Number Placeholder 5"/>
+          <p:cNvSpPr>
+            <a:spLocks noGrp="1"/>
+          </p:cNvSpPr>
+          <p:nvPr>
+            <p:ph type="sldNum" sz="quarter" idx="12"/>
+          </p:nvPr>
+        </p:nvSpPr>
+        <p:spPr/>
+        <p:txBody>
+          <a:bodyPr/>
+          <a:lstStyle/>
+          <a:p>
+            <a:fld id="{AA504A00-5B03-484F-8010-D8F3F3F226AF}" type="slidenum">
+              <a:rPr lang="en-US" smtClean="0"/>
+              <a:t>32</a:t>
+            </a:fld>
+            <a:endParaRPr lang="en-US"/>
+          </a:p>
+        </p:txBody>
+      </p:sp>
+    </p:spTree>
+    <p:extLst>
+      <p:ext uri="{BB962C8B-B14F-4D97-AF65-F5344CB8AC3E}">
+        <p14:creationId xmlns:p14="http://schemas.microsoft.com/office/powerpoint/2010/main" val="597208379"/>
+      </p:ext>
+    </p:extLst>
+  </p:cSld>
+  <p:clrMapOvr>
+    <a:masterClrMapping/>
+  </p:clrMapOvr>
+  <p:timing>
+    <p:tnLst>
+      <p:par>
+        <p:cTn id="1" dur="indefinite" restart="never" nodeType="tmRoot"/>
+      </p:par>
+    </p:tnLst>
+  </p:timing>
+</p:sld>
+</file>
+
 <file path=ppt/slides/slide4.xml><?xml version="1.0" encoding="utf-8"?>
 <p:sld xmlns:a="http://schemas.openxmlformats.org/drawingml/2006/main" xmlns:r="http://schemas.openxmlformats.org/officeDocument/2006/relationships" xmlns:p="http://schemas.openxmlformats.org/presentationml/2006/main">
   <p:cSld>
@@ -27613,8 +28127,13 @@
           <a:p>
             <a:r>
               <a:rPr lang="en-US" dirty="0"/>
-              <a:t>Semantic differences</a:t>
-            </a:r>
+              <a:t>Semantic </a:t>
+            </a:r>
+            <a:r>
+              <a:rPr lang="en-US" dirty="0" smtClean="0"/>
+              <a:t>divergences</a:t>
+            </a:r>
+            <a:endParaRPr lang="en-US" dirty="0"/>
           </a:p>
         </p:txBody>
       </p:sp>
@@ -27634,9 +28153,10 @@
           <a:lstStyle/>
           <a:p>
             <a:r>
-              <a:rPr lang="en-US" dirty="0"/>
-              <a:t>Aspect:</a:t>
-            </a:r>
+              <a:rPr lang="en-US" dirty="0" smtClean="0"/>
+              <a:t>Aspect</a:t>
+            </a:r>
+            <a:endParaRPr lang="en-US" dirty="0"/>
           </a:p>
           <a:p>
             <a:pPr lvl="1"/>
